--- a/fall15/slidesF15/Euler-proof.pptx
+++ b/fall15/slidesF15/Euler-proof.pptx
@@ -5534,7 +5534,7 @@
           <a:graphicData uri="http://schemas.openxmlformats.org/presentationml/2006/ole">
             <mc:AlternateContent xmlns:mc="http://schemas.openxmlformats.org/markup-compatibility/2006">
               <mc:Choice xmlns:v="urn:schemas-microsoft-com:vml" Requires="v">
-                <p:oleObj spid="_x0000_s48182" name="Equation" r:id="rId4" imgW="114300" imgH="165100" progId="Equation.3">
+                <p:oleObj spid="_x0000_s48186" name="Equation" r:id="rId4" imgW="114300" imgH="165100" progId="Equation.3">
                   <p:embed/>
                 </p:oleObj>
               </mc:Choice>
@@ -5591,7 +5591,7 @@
           <a:graphicData uri="http://schemas.openxmlformats.org/presentationml/2006/ole">
             <mc:AlternateContent xmlns:mc="http://schemas.openxmlformats.org/markup-compatibility/2006">
               <mc:Choice xmlns:v="urn:schemas-microsoft-com:vml" Requires="v">
-                <p:oleObj spid="_x0000_s48183" name="Equation" r:id="rId6" imgW="1485900" imgH="330200" progId="Equation.DSMT4">
+                <p:oleObj spid="_x0000_s48187" name="Equation" r:id="rId6" imgW="1485900" imgH="330200" progId="Equation.DSMT4">
                   <p:embed/>
                 </p:oleObj>
               </mc:Choice>
@@ -5702,7 +5702,7 @@
           <a:graphicData uri="http://schemas.openxmlformats.org/presentationml/2006/ole">
             <mc:AlternateContent xmlns:mc="http://schemas.openxmlformats.org/markup-compatibility/2006">
               <mc:Choice xmlns:v="urn:schemas-microsoft-com:vml" Requires="v">
-                <p:oleObj spid="_x0000_s48184" name="Equation" r:id="rId8" imgW="965200" imgH="469900" progId="Equation.3">
+                <p:oleObj spid="_x0000_s48188" name="Equation" r:id="rId8" imgW="965200" imgH="469900" progId="Equation.3">
                   <p:embed/>
                 </p:oleObj>
               </mc:Choice>
@@ -5759,7 +5759,7 @@
           <a:graphicData uri="http://schemas.openxmlformats.org/presentationml/2006/ole">
             <mc:AlternateContent xmlns:mc="http://schemas.openxmlformats.org/markup-compatibility/2006">
               <mc:Choice xmlns:v="urn:schemas-microsoft-com:vml" Requires="v">
-                <p:oleObj spid="_x0000_s48185" name="Equation" r:id="rId10" imgW="1422400" imgH="330200" progId="Equation.DSMT4">
+                <p:oleObj spid="_x0000_s48189" name="Equation" r:id="rId10" imgW="1422400" imgH="330200" progId="Equation.DSMT4">
                   <p:embed/>
                 </p:oleObj>
               </mc:Choice>
@@ -5926,7 +5926,7 @@
           <a:graphicData uri="http://schemas.openxmlformats.org/presentationml/2006/ole">
             <mc:AlternateContent xmlns:mc="http://schemas.openxmlformats.org/markup-compatibility/2006">
               <mc:Choice xmlns:v="urn:schemas-microsoft-com:vml" Requires="v">
-                <p:oleObj spid="_x0000_s97286" name="Equation" r:id="rId4" imgW="114300" imgH="165100" progId="Equation.3">
+                <p:oleObj spid="_x0000_s97291" name="Equation" r:id="rId4" imgW="114300" imgH="165100" progId="Equation.3">
                   <p:embed/>
                 </p:oleObj>
               </mc:Choice>
@@ -5983,7 +5983,7 @@
           <a:graphicData uri="http://schemas.openxmlformats.org/presentationml/2006/ole">
             <mc:AlternateContent xmlns:mc="http://schemas.openxmlformats.org/markup-compatibility/2006">
               <mc:Choice xmlns:v="urn:schemas-microsoft-com:vml" Requires="v">
-                <p:oleObj spid="_x0000_s97287" name="Equation" r:id="rId6" imgW="1485900" imgH="330200" progId="Equation.DSMT4">
+                <p:oleObj spid="_x0000_s97292" name="Equation" r:id="rId6" imgW="1485900" imgH="330200" progId="Equation.DSMT4">
                   <p:embed/>
                 </p:oleObj>
               </mc:Choice>
@@ -6040,7 +6040,7 @@
           <a:graphicData uri="http://schemas.openxmlformats.org/presentationml/2006/ole">
             <mc:AlternateContent xmlns:mc="http://schemas.openxmlformats.org/markup-compatibility/2006">
               <mc:Choice xmlns:v="urn:schemas-microsoft-com:vml" Requires="v">
-                <p:oleObj spid="_x0000_s97288" name="Equation" r:id="rId8" imgW="965200" imgH="469900" progId="Equation.3">
+                <p:oleObj spid="_x0000_s97293" name="Equation" r:id="rId8" imgW="965200" imgH="469900" progId="Equation.3">
                   <p:embed/>
                 </p:oleObj>
               </mc:Choice>
@@ -6097,7 +6097,7 @@
           <a:graphicData uri="http://schemas.openxmlformats.org/presentationml/2006/ole">
             <mc:AlternateContent xmlns:mc="http://schemas.openxmlformats.org/markup-compatibility/2006">
               <mc:Choice xmlns:v="urn:schemas-microsoft-com:vml" Requires="v">
-                <p:oleObj spid="_x0000_s97289" name="Equation" r:id="rId10" imgW="1422400" imgH="330200" progId="Equation.DSMT4">
+                <p:oleObj spid="_x0000_s97294" name="Equation" r:id="rId10" imgW="1422400" imgH="330200" progId="Equation.DSMT4">
                   <p:embed/>
                 </p:oleObj>
               </mc:Choice>
@@ -6259,7 +6259,7 @@
             <a:graphicData uri="http://schemas.openxmlformats.org/presentationml/2006/ole">
               <mc:AlternateContent xmlns:mc="http://schemas.openxmlformats.org/markup-compatibility/2006">
                 <mc:Choice xmlns:v="urn:schemas-microsoft-com:vml" Requires="v">
-                  <p:oleObj spid="_x0000_s97290" name="Equation" r:id="rId12" imgW="203200" imgH="292100" progId="Equation.DSMT4">
+                  <p:oleObj spid="_x0000_s97295" name="Equation" r:id="rId12" imgW="203200" imgH="292100" progId="Equation.DSMT4">
                     <p:embed/>
                   </p:oleObj>
                 </mc:Choice>
@@ -6427,7 +6427,7 @@
           <a:graphicData uri="http://schemas.openxmlformats.org/presentationml/2006/ole">
             <mc:AlternateContent xmlns:mc="http://schemas.openxmlformats.org/markup-compatibility/2006">
               <mc:Choice xmlns:v="urn:schemas-microsoft-com:vml" Requires="v">
-                <p:oleObj spid="_x0000_s96261" name="Equation" r:id="rId4" imgW="114300" imgH="165100" progId="Equation.3">
+                <p:oleObj spid="_x0000_s96265" name="Equation" r:id="rId4" imgW="114300" imgH="165100" progId="Equation.3">
                   <p:embed/>
                 </p:oleObj>
               </mc:Choice>
@@ -6484,7 +6484,7 @@
           <a:graphicData uri="http://schemas.openxmlformats.org/presentationml/2006/ole">
             <mc:AlternateContent xmlns:mc="http://schemas.openxmlformats.org/markup-compatibility/2006">
               <mc:Choice xmlns:v="urn:schemas-microsoft-com:vml" Requires="v">
-                <p:oleObj spid="_x0000_s96262" name="Equation" r:id="rId6" imgW="1485900" imgH="330200" progId="Equation.DSMT4">
+                <p:oleObj spid="_x0000_s96266" name="Equation" r:id="rId6" imgW="1485900" imgH="330200" progId="Equation.DSMT4">
                   <p:embed/>
                 </p:oleObj>
               </mc:Choice>
@@ -6595,7 +6595,7 @@
           <a:graphicData uri="http://schemas.openxmlformats.org/presentationml/2006/ole">
             <mc:AlternateContent xmlns:mc="http://schemas.openxmlformats.org/markup-compatibility/2006">
               <mc:Choice xmlns:v="urn:schemas-microsoft-com:vml" Requires="v">
-                <p:oleObj spid="_x0000_s96263" name="Equation" r:id="rId8" imgW="1117600" imgH="444500" progId="Equation.DSMT4">
+                <p:oleObj spid="_x0000_s96267" name="Equation" r:id="rId8" imgW="1117600" imgH="444500" progId="Equation.DSMT4">
                   <p:embed/>
                 </p:oleObj>
               </mc:Choice>
@@ -6652,7 +6652,7 @@
           <a:graphicData uri="http://schemas.openxmlformats.org/presentationml/2006/ole">
             <mc:AlternateContent xmlns:mc="http://schemas.openxmlformats.org/markup-compatibility/2006">
               <mc:Choice xmlns:v="urn:schemas-microsoft-com:vml" Requires="v">
-                <p:oleObj spid="_x0000_s96264" name="Equation" r:id="rId10" imgW="1816100" imgH="317500" progId="Equation.3">
+                <p:oleObj spid="_x0000_s96268" name="Equation" r:id="rId10" imgW="1816100" imgH="317500" progId="Equation.3">
                   <p:embed/>
                 </p:oleObj>
               </mc:Choice>
@@ -6819,7 +6819,7 @@
           <a:graphicData uri="http://schemas.openxmlformats.org/presentationml/2006/ole">
             <mc:AlternateContent xmlns:mc="http://schemas.openxmlformats.org/markup-compatibility/2006">
               <mc:Choice xmlns:v="urn:schemas-microsoft-com:vml" Requires="v">
-                <p:oleObj spid="_x0000_s49213" name="Equation" r:id="rId4" imgW="114300" imgH="165100" progId="Equation.3">
+                <p:oleObj spid="_x0000_s49218" name="Equation" r:id="rId4" imgW="114300" imgH="165100" progId="Equation.3">
                   <p:embed/>
                 </p:oleObj>
               </mc:Choice>
@@ -6876,7 +6876,7 @@
           <a:graphicData uri="http://schemas.openxmlformats.org/presentationml/2006/ole">
             <mc:AlternateContent xmlns:mc="http://schemas.openxmlformats.org/markup-compatibility/2006">
               <mc:Choice xmlns:v="urn:schemas-microsoft-com:vml" Requires="v">
-                <p:oleObj spid="_x0000_s49214" name="Equation" r:id="rId6" imgW="1511300" imgH="355600" progId="Equation.3">
+                <p:oleObj spid="_x0000_s49219" name="Equation" r:id="rId6" imgW="1511300" imgH="355600" progId="Equation.3">
                   <p:embed/>
                 </p:oleObj>
               </mc:Choice>
@@ -6933,7 +6933,7 @@
           <a:graphicData uri="http://schemas.openxmlformats.org/presentationml/2006/ole">
             <mc:AlternateContent xmlns:mc="http://schemas.openxmlformats.org/markup-compatibility/2006">
               <mc:Choice xmlns:v="urn:schemas-microsoft-com:vml" Requires="v">
-                <p:oleObj spid="_x0000_s49215" name="Equation" r:id="rId8" imgW="1117600" imgH="444500" progId="Equation.DSMT4">
+                <p:oleObj spid="_x0000_s49220" name="Equation" r:id="rId8" imgW="1117600" imgH="444500" progId="Equation.DSMT4">
                   <p:embed/>
                 </p:oleObj>
               </mc:Choice>
@@ -7095,7 +7095,7 @@
             <a:graphicData uri="http://schemas.openxmlformats.org/presentationml/2006/ole">
               <mc:AlternateContent xmlns:mc="http://schemas.openxmlformats.org/markup-compatibility/2006">
                 <mc:Choice xmlns:v="urn:schemas-microsoft-com:vml" Requires="v">
-                  <p:oleObj spid="_x0000_s49216" name="Equation" r:id="rId10" imgW="203200" imgH="292100" progId="Equation.DSMT4">
+                  <p:oleObj spid="_x0000_s49221" name="Equation" r:id="rId10" imgW="203200" imgH="292100" progId="Equation.DSMT4">
                     <p:embed/>
                   </p:oleObj>
                 </mc:Choice>
@@ -7153,7 +7153,7 @@
           <a:graphicData uri="http://schemas.openxmlformats.org/presentationml/2006/ole">
             <mc:AlternateContent xmlns:mc="http://schemas.openxmlformats.org/markup-compatibility/2006">
               <mc:Choice xmlns:v="urn:schemas-microsoft-com:vml" Requires="v">
-                <p:oleObj spid="_x0000_s49217" name="Equation" r:id="rId12" imgW="1816100" imgH="317500" progId="Equation.3">
+                <p:oleObj spid="_x0000_s49222" name="Equation" r:id="rId12" imgW="1816100" imgH="317500" progId="Equation.3">
                   <p:embed/>
                 </p:oleObj>
               </mc:Choice>
@@ -7618,7 +7618,7 @@
           <a:graphicData uri="http://schemas.openxmlformats.org/presentationml/2006/ole">
             <mc:AlternateContent xmlns:mc="http://schemas.openxmlformats.org/markup-compatibility/2006">
               <mc:Choice xmlns:v="urn:schemas-microsoft-com:vml" Requires="v">
-                <p:oleObj spid="_x0000_s52246" name="Equation" r:id="rId4" imgW="368300" imgH="292100" progId="Equation.DSMT4">
+                <p:oleObj spid="_x0000_s52248" name="Equation" r:id="rId4" imgW="368300" imgH="292100" progId="Equation.DSMT4">
                   <p:embed/>
                 </p:oleObj>
               </mc:Choice>
@@ -7742,7 +7742,7 @@
             <a:graphicData uri="http://schemas.openxmlformats.org/presentationml/2006/ole">
               <mc:AlternateContent xmlns:mc="http://schemas.openxmlformats.org/markup-compatibility/2006">
                 <mc:Choice xmlns:v="urn:schemas-microsoft-com:vml" Requires="v">
-                  <p:oleObj spid="_x0000_s52247" name="Equation" r:id="rId6" imgW="203200" imgH="292100" progId="Equation.DSMT4">
+                  <p:oleObj spid="_x0000_s52249" name="Equation" r:id="rId6" imgW="203200" imgH="292100" progId="Equation.DSMT4">
                     <p:embed/>
                   </p:oleObj>
                 </mc:Choice>
@@ -8702,7 +8702,7 @@
           <a:graphicData uri="http://schemas.openxmlformats.org/presentationml/2006/ole">
             <mc:AlternateContent xmlns:mc="http://schemas.openxmlformats.org/markup-compatibility/2006">
               <mc:Choice xmlns:v="urn:schemas-microsoft-com:vml" Requires="v">
-                <p:oleObj spid="_x0000_s53268" name="Equation" r:id="rId4" imgW="368300" imgH="292100" progId="Equation.DSMT4">
+                <p:oleObj spid="_x0000_s53270" name="Equation" r:id="rId4" imgW="368300" imgH="292100" progId="Equation.DSMT4">
                   <p:embed/>
                 </p:oleObj>
               </mc:Choice>
@@ -8826,7 +8826,7 @@
             <a:graphicData uri="http://schemas.openxmlformats.org/presentationml/2006/ole">
               <mc:AlternateContent xmlns:mc="http://schemas.openxmlformats.org/markup-compatibility/2006">
                 <mc:Choice xmlns:v="urn:schemas-microsoft-com:vml" Requires="v">
-                  <p:oleObj spid="_x0000_s53269" name="Equation" r:id="rId6" imgW="203200" imgH="292100" progId="Equation.DSMT4">
+                  <p:oleObj spid="_x0000_s53271" name="Equation" r:id="rId6" imgW="203200" imgH="292100" progId="Equation.DSMT4">
                     <p:embed/>
                   </p:oleObj>
                 </mc:Choice>
@@ -9664,7 +9664,7 @@
             <a:graphicData uri="http://schemas.openxmlformats.org/presentationml/2006/ole">
               <mc:AlternateContent xmlns:mc="http://schemas.openxmlformats.org/markup-compatibility/2006">
                 <mc:Choice xmlns:v="urn:schemas-microsoft-com:vml" Requires="v">
-                  <p:oleObj spid="_x0000_s54292" name="Equation" r:id="rId4" imgW="203200" imgH="292100" progId="Equation.DSMT4">
+                  <p:oleObj spid="_x0000_s54294" name="Equation" r:id="rId4" imgW="203200" imgH="292100" progId="Equation.DSMT4">
                     <p:embed/>
                   </p:oleObj>
                 </mc:Choice>
@@ -9722,7 +9722,7 @@
           <a:graphicData uri="http://schemas.openxmlformats.org/presentationml/2006/ole">
             <mc:AlternateContent xmlns:mc="http://schemas.openxmlformats.org/markup-compatibility/2006">
               <mc:Choice xmlns:v="urn:schemas-microsoft-com:vml" Requires="v">
-                <p:oleObj spid="_x0000_s54293" name="Equation" r:id="rId6" imgW="368300" imgH="292100" progId="Equation.DSMT4">
+                <p:oleObj spid="_x0000_s54295" name="Equation" r:id="rId6" imgW="368300" imgH="292100" progId="Equation.DSMT4">
                   <p:embed/>
                 </p:oleObj>
               </mc:Choice>
@@ -9889,7 +9889,7 @@
           <a:graphicData uri="http://schemas.openxmlformats.org/presentationml/2006/ole">
             <mc:AlternateContent xmlns:mc="http://schemas.openxmlformats.org/markup-compatibility/2006">
               <mc:Choice xmlns:v="urn:schemas-microsoft-com:vml" Requires="v">
-                <p:oleObj spid="_x0000_s56362" name="Equation" r:id="rId4" imgW="114300" imgH="165100" progId="Equation.3">
+                <p:oleObj spid="_x0000_s56370" name="Equation" r:id="rId4" imgW="114300" imgH="165100" progId="Equation.3">
                   <p:embed/>
                 </p:oleObj>
               </mc:Choice>
@@ -9946,7 +9946,7 @@
           <a:graphicData uri="http://schemas.openxmlformats.org/presentationml/2006/ole">
             <mc:AlternateContent xmlns:mc="http://schemas.openxmlformats.org/markup-compatibility/2006">
               <mc:Choice xmlns:v="urn:schemas-microsoft-com:vml" Requires="v">
-                <p:oleObj spid="_x0000_s56363" name="Equation" r:id="rId6" imgW="850900" imgH="317500" progId="Equation.3">
+                <p:oleObj spid="_x0000_s56371" name="Equation" r:id="rId6" imgW="850900" imgH="317500" progId="Equation.3">
                   <p:embed/>
                 </p:oleObj>
               </mc:Choice>
@@ -10003,7 +10003,7 @@
           <a:graphicData uri="http://schemas.openxmlformats.org/presentationml/2006/ole">
             <mc:AlternateContent xmlns:mc="http://schemas.openxmlformats.org/markup-compatibility/2006">
               <mc:Choice xmlns:v="urn:schemas-microsoft-com:vml" Requires="v">
-                <p:oleObj spid="_x0000_s56364" name="Equation" r:id="rId8" imgW="1536700" imgH="304800" progId="Equation.DSMT4">
+                <p:oleObj spid="_x0000_s56372" name="Equation" r:id="rId8" imgW="1536700" imgH="304800" progId="Equation.DSMT4">
                   <p:embed/>
                 </p:oleObj>
               </mc:Choice>
@@ -10060,7 +10060,7 @@
           <a:graphicData uri="http://schemas.openxmlformats.org/presentationml/2006/ole">
             <mc:AlternateContent xmlns:mc="http://schemas.openxmlformats.org/markup-compatibility/2006">
               <mc:Choice xmlns:v="urn:schemas-microsoft-com:vml" Requires="v">
-                <p:oleObj spid="_x0000_s56365" name="Equation" r:id="rId10" imgW="1422400" imgH="355600" progId="Equation.3">
+                <p:oleObj spid="_x0000_s56373" name="Equation" r:id="rId10" imgW="1422400" imgH="355600" progId="Equation.3">
                   <p:embed/>
                 </p:oleObj>
               </mc:Choice>
@@ -10251,14 +10251,67 @@
                             </p:stCondLst>
                             <p:childTnLst>
                               <p:par>
-                                <p:cTn id="10" presetID="22" presetClass="entr" presetSubtype="8" fill="hold" nodeType="clickEffect">
+                                <p:cTn id="10" presetID="9" presetClass="exit" presetSubtype="0" fill="hold" nodeType="clickEffect">
+                                  <p:stCondLst>
+                                    <p:cond delay="0"/>
+                                  </p:stCondLst>
+                                  <p:childTnLst>
+                                    <p:animEffect transition="out" filter="dissolve">
+                                      <p:cBhvr>
+                                        <p:cTn id="11" dur="500"/>
+                                        <p:tgtEl>
+                                          <p:spTgt spid="2"/>
+                                        </p:tgtEl>
+                                      </p:cBhvr>
+                                    </p:animEffect>
+                                    <p:set>
+                                      <p:cBhvr>
+                                        <p:cTn id="12" dur="1" fill="hold">
+                                          <p:stCondLst>
+                                            <p:cond delay="499"/>
+                                          </p:stCondLst>
+                                        </p:cTn>
+                                        <p:tgtEl>
+                                          <p:spTgt spid="2"/>
+                                        </p:tgtEl>
+                                        <p:attrNameLst>
+                                          <p:attrName>style.visibility</p:attrName>
+                                        </p:attrNameLst>
+                                      </p:cBhvr>
+                                      <p:to>
+                                        <p:strVal val="hidden"/>
+                                      </p:to>
+                                    </p:set>
+                                  </p:childTnLst>
+                                </p:cTn>
+                              </p:par>
+                            </p:childTnLst>
+                          </p:cTn>
+                        </p:par>
+                      </p:childTnLst>
+                    </p:cTn>
+                  </p:par>
+                  <p:par>
+                    <p:cTn id="13" fill="hold">
+                      <p:stCondLst>
+                        <p:cond delay="indefinite"/>
+                      </p:stCondLst>
+                      <p:childTnLst>
+                        <p:par>
+                          <p:cTn id="14" fill="hold">
+                            <p:stCondLst>
+                              <p:cond delay="0"/>
+                            </p:stCondLst>
+                            <p:childTnLst>
+                              <p:par>
+                                <p:cTn id="15" presetID="22" presetClass="entr" presetSubtype="8" fill="hold" nodeType="clickEffect">
                                   <p:stCondLst>
                                     <p:cond delay="0"/>
                                   </p:stCondLst>
                                   <p:childTnLst>
                                     <p:set>
                                       <p:cBhvr>
-                                        <p:cTn id="11" dur="1" fill="hold">
+                                        <p:cTn id="16" dur="1" fill="hold">
                                           <p:stCondLst>
                                             <p:cond delay="0"/>
                                           </p:stCondLst>
@@ -10276,7 +10329,7 @@
                                     </p:set>
                                     <p:animEffect transition="in" filter="wipe(left)">
                                       <p:cBhvr>
-                                        <p:cTn id="12" dur="1000"/>
+                                        <p:cTn id="17" dur="1000"/>
                                         <p:tgtEl>
                                           <p:spTgt spid="15"/>
                                         </p:tgtEl>
@@ -10317,7 +10370,7 @@
 </file>
 
 <file path=ppt/slides/slide18.xml><?xml version="1.0" encoding="utf-8"?>
-<p:sld xmlns:a="http://schemas.openxmlformats.org/drawingml/2006/main" xmlns:r="http://schemas.openxmlformats.org/officeDocument/2006/relationships" xmlns:p="http://schemas.openxmlformats.org/presentationml/2006/main">
+<p:sld xmlns:a="http://schemas.openxmlformats.org/drawingml/2006/main" xmlns:r="http://schemas.openxmlformats.org/officeDocument/2006/relationships" xmlns:p="http://schemas.openxmlformats.org/presentationml/2006/main" show="0">
   <p:cSld>
     <p:spTree>
       <p:nvGrpSpPr>
@@ -10416,7 +10469,7 @@
           <a:graphicData uri="http://schemas.openxmlformats.org/presentationml/2006/ole">
             <mc:AlternateContent xmlns:mc="http://schemas.openxmlformats.org/markup-compatibility/2006">
               <mc:Choice xmlns:v="urn:schemas-microsoft-com:vml" Requires="v">
-                <p:oleObj spid="_x0000_s59422" name="Equation" r:id="rId4" imgW="114300" imgH="165100" progId="Equation.3">
+                <p:oleObj spid="_x0000_s59427" name="Equation" r:id="rId4" imgW="114300" imgH="165100" progId="Equation.3">
                   <p:embed/>
                 </p:oleObj>
               </mc:Choice>
@@ -10453,32 +10506,32 @@
       </p:graphicFrame>
       <p:graphicFrame>
         <p:nvGraphicFramePr>
-          <p:cNvPr id="2" name="Object 1"/>
+          <p:cNvPr id="9" name="Object 8"/>
           <p:cNvGraphicFramePr>
             <a:graphicFrameLocks noChangeAspect="1"/>
           </p:cNvGraphicFramePr>
           <p:nvPr>
             <p:extLst>
               <p:ext uri="{D42A27DB-BD31-4B8C-83A1-F6EECF244321}">
-                <p14:modId xmlns:p14="http://schemas.microsoft.com/office/powerpoint/2010/main" val="1092956250"/>
+                <p14:modId xmlns:p14="http://schemas.microsoft.com/office/powerpoint/2010/main" val="3776626578"/>
               </p:ext>
             </p:extLst>
           </p:nvPr>
         </p:nvGraphicFramePr>
         <p:xfrm>
-          <a:off x="479425" y="2286000"/>
-          <a:ext cx="7299325" cy="1447800"/>
+          <a:off x="533400" y="3352800"/>
+          <a:ext cx="2073275" cy="1341437"/>
         </p:xfrm>
         <a:graphic>
           <a:graphicData uri="http://schemas.openxmlformats.org/presentationml/2006/ole">
             <mc:AlternateContent xmlns:mc="http://schemas.openxmlformats.org/markup-compatibility/2006">
               <mc:Choice xmlns:v="urn:schemas-microsoft-com:vml" Requires="v">
-                <p:oleObj spid="_x0000_s59423" name="Equation" r:id="rId6" imgW="1536700" imgH="304800" progId="Equation.DSMT4">
+                <p:oleObj spid="_x0000_s59428" name="Equation" r:id="rId6" imgW="431800" imgH="279400" progId="Equation.DSMT4">
                   <p:embed/>
                 </p:oleObj>
               </mc:Choice>
               <mc:Fallback>
-                <p:oleObj name="Equation" r:id="rId6" imgW="1536700" imgH="304800" progId="Equation.DSMT4">
+                <p:oleObj name="Equation" r:id="rId6" imgW="431800" imgH="279400" progId="Equation.DSMT4">
                   <p:embed/>
                   <p:pic>
                     <p:nvPicPr>
@@ -10488,63 +10541,6 @@
                     </p:nvPicPr>
                     <p:blipFill>
                       <a:blip r:embed="rId7"/>
-                      <a:stretch>
-                        <a:fillRect/>
-                      </a:stretch>
-                    </p:blipFill>
-                    <p:spPr>
-                      <a:xfrm>
-                        <a:off x="479425" y="2286000"/>
-                        <a:ext cx="7299325" cy="1447800"/>
-                      </a:xfrm>
-                      <a:prstGeom prst="rect">
-                        <a:avLst/>
-                      </a:prstGeom>
-                    </p:spPr>
-                  </p:pic>
-                </p:oleObj>
-              </mc:Fallback>
-            </mc:AlternateContent>
-          </a:graphicData>
-        </a:graphic>
-      </p:graphicFrame>
-      <p:graphicFrame>
-        <p:nvGraphicFramePr>
-          <p:cNvPr id="9" name="Object 8"/>
-          <p:cNvGraphicFramePr>
-            <a:graphicFrameLocks noChangeAspect="1"/>
-          </p:cNvGraphicFramePr>
-          <p:nvPr>
-            <p:extLst>
-              <p:ext uri="{D42A27DB-BD31-4B8C-83A1-F6EECF244321}">
-                <p14:modId xmlns:p14="http://schemas.microsoft.com/office/powerpoint/2010/main" val="3776626578"/>
-              </p:ext>
-            </p:extLst>
-          </p:nvPr>
-        </p:nvGraphicFramePr>
-        <p:xfrm>
-          <a:off x="533400" y="3352800"/>
-          <a:ext cx="2073275" cy="1341437"/>
-        </p:xfrm>
-        <a:graphic>
-          <a:graphicData uri="http://schemas.openxmlformats.org/presentationml/2006/ole">
-            <mc:AlternateContent xmlns:mc="http://schemas.openxmlformats.org/markup-compatibility/2006">
-              <mc:Choice xmlns:v="urn:schemas-microsoft-com:vml" Requires="v">
-                <p:oleObj spid="_x0000_s59424" name="Equation" r:id="rId8" imgW="431800" imgH="279400" progId="Equation.DSMT4">
-                  <p:embed/>
-                </p:oleObj>
-              </mc:Choice>
-              <mc:Fallback>
-                <p:oleObj name="Equation" r:id="rId8" imgW="431800" imgH="279400" progId="Equation.DSMT4">
-                  <p:embed/>
-                  <p:pic>
-                    <p:nvPicPr>
-                      <p:cNvPr id="0" name=""/>
-                      <p:cNvPicPr/>
-                      <p:nvPr/>
-                    </p:nvPicPr>
-                    <p:blipFill>
-                      <a:blip r:embed="rId9"/>
                       <a:stretch>
                         <a:fillRect/>
                       </a:stretch>
@@ -10609,14 +10605,14 @@
   <p:clrMapOvr>
     <a:masterClrMapping/>
   </p:clrMapOvr>
-  <mc:AlternateContent xmlns:mc="http://schemas.openxmlformats.org/markup-compatibility/2006" xmlns:p14="http://schemas.microsoft.com/office/powerpoint/2010/main">
-    <mc:Choice Requires="p14">
-      <p:transition spd="slow" p14:dur="1300" advClick="0">
+  <mc:AlternateContent xmlns:mc="http://schemas.openxmlformats.org/markup-compatibility/2006">
+    <mc:Choice xmlns:p14="http://schemas.microsoft.com/office/powerpoint/2010/main" Requires="p14">
+      <p:transition spd="slow" p14:dur="1300" advClick="0" advTm="0">
         <p:fade/>
       </p:transition>
     </mc:Choice>
-    <mc:Fallback xmlns="">
-      <p:transition xmlns:p14="http://schemas.microsoft.com/office/powerpoint/2010/main" spd="slow" advClick="0">
+    <mc:Fallback>
+      <p:transition xmlns:p14="http://schemas.microsoft.com/office/powerpoint/2010/main" spd="slow" advClick="0" advTm="0">
         <p:fade/>
       </p:transition>
     </mc:Fallback>
@@ -10731,7 +10727,7 @@
           <a:graphicData uri="http://schemas.openxmlformats.org/presentationml/2006/ole">
             <mc:AlternateContent xmlns:mc="http://schemas.openxmlformats.org/markup-compatibility/2006">
               <mc:Choice xmlns:v="urn:schemas-microsoft-com:vml" Requires="v">
-                <p:oleObj spid="_x0000_s60428" name="Equation" r:id="rId4" imgW="114300" imgH="165100" progId="Equation.3">
+                <p:oleObj spid="_x0000_s60432" name="Equation" r:id="rId4" imgW="114300" imgH="165100" progId="Equation.3">
                   <p:embed/>
                 </p:oleObj>
               </mc:Choice>
@@ -10788,7 +10784,7 @@
           <a:graphicData uri="http://schemas.openxmlformats.org/presentationml/2006/ole">
             <mc:AlternateContent xmlns:mc="http://schemas.openxmlformats.org/markup-compatibility/2006">
               <mc:Choice xmlns:v="urn:schemas-microsoft-com:vml" Requires="v">
-                <p:oleObj spid="_x0000_s60429" name="Equation" r:id="rId6" imgW="431800" imgH="279400" progId="Equation.DSMT4">
+                <p:oleObj spid="_x0000_s60433" name="Equation" r:id="rId6" imgW="431800" imgH="279400" progId="Equation.DSMT4">
                   <p:embed/>
                 </p:oleObj>
               </mc:Choice>
@@ -10922,9 +10918,6 @@
                     <p:cTn id="3" fill="hold">
                       <p:stCondLst>
                         <p:cond delay="indefinite"/>
-                        <p:cond evt="onBegin" delay="0">
-                          <p:tn val="2"/>
-                        </p:cond>
                       </p:stCondLst>
                       <p:childTnLst>
                         <p:par>
@@ -10934,7 +10927,7 @@
                             </p:stCondLst>
                             <p:childTnLst>
                               <p:par>
-                                <p:cTn id="5" presetID="0" presetClass="path" presetSubtype="0" accel="50000" decel="50000" fill="hold" nodeType="withEffect">
+                                <p:cTn id="5" presetID="0" presetClass="path" presetSubtype="0" accel="50000" decel="50000" fill="hold" nodeType="clickEffect">
                                   <p:stCondLst>
                                     <p:cond delay="0"/>
                                   </p:stCondLst>
@@ -11225,7 +11218,7 @@
           <a:graphicData uri="http://schemas.openxmlformats.org/presentationml/2006/ole">
             <mc:AlternateContent xmlns:mc="http://schemas.openxmlformats.org/markup-compatibility/2006">
               <mc:Choice xmlns:v="urn:schemas-microsoft-com:vml" Requires="v">
-                <p:oleObj spid="_x0000_s17485" name="Equation" r:id="rId4" imgW="139700" imgH="215900" progId="Equation.DSMT4">
+                <p:oleObj spid="_x0000_s17488" name="Equation" r:id="rId4" imgW="139700" imgH="215900" progId="Equation.DSMT4">
                   <p:embed/>
                 </p:oleObj>
               </mc:Choice>
@@ -11282,7 +11275,7 @@
           <a:graphicData uri="http://schemas.openxmlformats.org/presentationml/2006/ole">
             <mc:AlternateContent xmlns:mc="http://schemas.openxmlformats.org/markup-compatibility/2006">
               <mc:Choice xmlns:v="urn:schemas-microsoft-com:vml" Requires="v">
-                <p:oleObj spid="_x0000_s17486" name="Equation" r:id="rId6" imgW="1981200" imgH="660400" progId="Equation.3">
+                <p:oleObj spid="_x0000_s17489" name="Equation" r:id="rId6" imgW="1981200" imgH="660400" progId="Equation.3">
                   <p:embed/>
                 </p:oleObj>
               </mc:Choice>
@@ -11339,7 +11332,7 @@
           <a:graphicData uri="http://schemas.openxmlformats.org/presentationml/2006/ole">
             <mc:AlternateContent xmlns:mc="http://schemas.openxmlformats.org/markup-compatibility/2006">
               <mc:Choice xmlns:v="urn:schemas-microsoft-com:vml" Requires="v">
-                <p:oleObj spid="_x0000_s17487" name="Equation" r:id="rId8" imgW="812800" imgH="355600" progId="Equation.DSMT4">
+                <p:oleObj spid="_x0000_s17490" name="Equation" r:id="rId8" imgW="812800" imgH="355600" progId="Equation.DSMT4">
                   <p:embed/>
                 </p:oleObj>
               </mc:Choice>
@@ -11506,7 +11499,7 @@
           <a:graphicData uri="http://schemas.openxmlformats.org/presentationml/2006/ole">
             <mc:AlternateContent xmlns:mc="http://schemas.openxmlformats.org/markup-compatibility/2006">
               <mc:Choice xmlns:v="urn:schemas-microsoft-com:vml" Requires="v">
-                <p:oleObj spid="_x0000_s105477" name="Equation" r:id="rId4" imgW="114300" imgH="165100" progId="Equation.3">
+                <p:oleObj spid="_x0000_s105481" name="Equation" r:id="rId4" imgW="114300" imgH="165100" progId="Equation.3">
                   <p:embed/>
                 </p:oleObj>
               </mc:Choice>
@@ -11563,7 +11556,7 @@
           <a:graphicData uri="http://schemas.openxmlformats.org/presentationml/2006/ole">
             <mc:AlternateContent xmlns:mc="http://schemas.openxmlformats.org/markup-compatibility/2006">
               <mc:Choice xmlns:v="urn:schemas-microsoft-com:vml" Requires="v">
-                <p:oleObj spid="_x0000_s105478" name="Equation" r:id="rId6" imgW="469900" imgH="304800" progId="Equation.3">
+                <p:oleObj spid="_x0000_s105482" name="Equation" r:id="rId6" imgW="469900" imgH="304800" progId="Equation.3">
                   <p:embed/>
                 </p:oleObj>
               </mc:Choice>
@@ -11620,7 +11613,7 @@
           <a:graphicData uri="http://schemas.openxmlformats.org/presentationml/2006/ole">
             <mc:AlternateContent xmlns:mc="http://schemas.openxmlformats.org/markup-compatibility/2006">
               <mc:Choice xmlns:v="urn:schemas-microsoft-com:vml" Requires="v">
-                <p:oleObj spid="_x0000_s105479" name="Equation" r:id="rId8" imgW="596900" imgH="330200" progId="Equation.DSMT4">
+                <p:oleObj spid="_x0000_s105483" name="Equation" r:id="rId8" imgW="596900" imgH="330200" progId="Equation.DSMT4">
                   <p:embed/>
                 </p:oleObj>
               </mc:Choice>
@@ -11677,7 +11670,7 @@
           <a:graphicData uri="http://schemas.openxmlformats.org/presentationml/2006/ole">
             <mc:AlternateContent xmlns:mc="http://schemas.openxmlformats.org/markup-compatibility/2006">
               <mc:Choice xmlns:v="urn:schemas-microsoft-com:vml" Requires="v">
-                <p:oleObj spid="_x0000_s105480" name="Equation" r:id="rId10" imgW="787400" imgH="292100" progId="Equation.DSMT4">
+                <p:oleObj spid="_x0000_s105484" name="Equation" r:id="rId10" imgW="787400" imgH="292100" progId="Equation.DSMT4">
                   <p:embed/>
                 </p:oleObj>
               </mc:Choice>
@@ -11964,7 +11957,7 @@
           <a:graphicData uri="http://schemas.openxmlformats.org/presentationml/2006/ole">
             <mc:AlternateContent xmlns:mc="http://schemas.openxmlformats.org/markup-compatibility/2006">
               <mc:Choice xmlns:v="urn:schemas-microsoft-com:vml" Requires="v">
-                <p:oleObj spid="_x0000_s106500" name="Equation" r:id="rId4" imgW="114300" imgH="165100" progId="Equation.3">
+                <p:oleObj spid="_x0000_s106503" name="Equation" r:id="rId4" imgW="114300" imgH="165100" progId="Equation.3">
                   <p:embed/>
                 </p:oleObj>
               </mc:Choice>
@@ -12021,7 +12014,7 @@
           <a:graphicData uri="http://schemas.openxmlformats.org/presentationml/2006/ole">
             <mc:AlternateContent xmlns:mc="http://schemas.openxmlformats.org/markup-compatibility/2006">
               <mc:Choice xmlns:v="urn:schemas-microsoft-com:vml" Requires="v">
-                <p:oleObj spid="_x0000_s106501" name="Equation" r:id="rId6" imgW="596900" imgH="330200" progId="Equation.DSMT4">
+                <p:oleObj spid="_x0000_s106504" name="Equation" r:id="rId6" imgW="596900" imgH="330200" progId="Equation.DSMT4">
                   <p:embed/>
                 </p:oleObj>
               </mc:Choice>
@@ -12078,7 +12071,7 @@
           <a:graphicData uri="http://schemas.openxmlformats.org/presentationml/2006/ole">
             <mc:AlternateContent xmlns:mc="http://schemas.openxmlformats.org/markup-compatibility/2006">
               <mc:Choice xmlns:v="urn:schemas-microsoft-com:vml" Requires="v">
-                <p:oleObj spid="_x0000_s106502" name="Equation" r:id="rId8" imgW="1689100" imgH="673100" progId="Equation.DSMT4">
+                <p:oleObj spid="_x0000_s106505" name="Equation" r:id="rId8" imgW="1689100" imgH="673100" progId="Equation.DSMT4">
                   <p:embed/>
                 </p:oleObj>
               </mc:Choice>
@@ -12245,7 +12238,7 @@
           <a:graphicData uri="http://schemas.openxmlformats.org/presentationml/2006/ole">
             <mc:AlternateContent xmlns:mc="http://schemas.openxmlformats.org/markup-compatibility/2006">
               <mc:Choice xmlns:v="urn:schemas-microsoft-com:vml" Requires="v">
-                <p:oleObj spid="_x0000_s98308" name="Equation" r:id="rId4" imgW="114300" imgH="165100" progId="Equation.3">
+                <p:oleObj spid="_x0000_s98311" name="Equation" r:id="rId4" imgW="114300" imgH="165100" progId="Equation.3">
                   <p:embed/>
                 </p:oleObj>
               </mc:Choice>
@@ -12302,7 +12295,7 @@
           <a:graphicData uri="http://schemas.openxmlformats.org/presentationml/2006/ole">
             <mc:AlternateContent xmlns:mc="http://schemas.openxmlformats.org/markup-compatibility/2006">
               <mc:Choice xmlns:v="urn:schemas-microsoft-com:vml" Requires="v">
-                <p:oleObj spid="_x0000_s98309" name="Equation" r:id="rId6" imgW="762000" imgH="292100" progId="Equation.DSMT4">
+                <p:oleObj spid="_x0000_s98312" name="Equation" r:id="rId6" imgW="762000" imgH="292100" progId="Equation.DSMT4">
                   <p:embed/>
                 </p:oleObj>
               </mc:Choice>
@@ -12359,7 +12352,7 @@
           <a:graphicData uri="http://schemas.openxmlformats.org/presentationml/2006/ole">
             <mc:AlternateContent xmlns:mc="http://schemas.openxmlformats.org/markup-compatibility/2006">
               <mc:Choice xmlns:v="urn:schemas-microsoft-com:vml" Requires="v">
-                <p:oleObj spid="_x0000_s98310" name="Equation" r:id="rId8" imgW="635000" imgH="292100" progId="Equation.DSMT4">
+                <p:oleObj spid="_x0000_s98313" name="Equation" r:id="rId8" imgW="635000" imgH="292100" progId="Equation.DSMT4">
                   <p:embed/>
                 </p:oleObj>
               </mc:Choice>
@@ -12602,7 +12595,7 @@
           <a:graphicData uri="http://schemas.openxmlformats.org/presentationml/2006/ole">
             <mc:AlternateContent xmlns:mc="http://schemas.openxmlformats.org/markup-compatibility/2006">
               <mc:Choice xmlns:v="urn:schemas-microsoft-com:vml" Requires="v">
-                <p:oleObj spid="_x0000_s99332" name="Equation" r:id="rId4" imgW="114300" imgH="165100" progId="Equation.3">
+                <p:oleObj spid="_x0000_s99335" name="Equation" r:id="rId4" imgW="114300" imgH="165100" progId="Equation.3">
                   <p:embed/>
                 </p:oleObj>
               </mc:Choice>
@@ -12659,7 +12652,7 @@
           <a:graphicData uri="http://schemas.openxmlformats.org/presentationml/2006/ole">
             <mc:AlternateContent xmlns:mc="http://schemas.openxmlformats.org/markup-compatibility/2006">
               <mc:Choice xmlns:v="urn:schemas-microsoft-com:vml" Requires="v">
-                <p:oleObj spid="_x0000_s99333" name="Equation" r:id="rId6" imgW="762000" imgH="292100" progId="Equation.DSMT4">
+                <p:oleObj spid="_x0000_s99336" name="Equation" r:id="rId6" imgW="762000" imgH="292100" progId="Equation.DSMT4">
                   <p:embed/>
                 </p:oleObj>
               </mc:Choice>
@@ -12716,7 +12709,7 @@
           <a:graphicData uri="http://schemas.openxmlformats.org/presentationml/2006/ole">
             <mc:AlternateContent xmlns:mc="http://schemas.openxmlformats.org/markup-compatibility/2006">
               <mc:Choice xmlns:v="urn:schemas-microsoft-com:vml" Requires="v">
-                <p:oleObj spid="_x0000_s99334" name="Equation" r:id="rId8" imgW="635000" imgH="292100" progId="Equation.DSMT4">
+                <p:oleObj spid="_x0000_s99337" name="Equation" r:id="rId8" imgW="635000" imgH="292100" progId="Equation.DSMT4">
                   <p:embed/>
                 </p:oleObj>
               </mc:Choice>
@@ -12874,7 +12867,7 @@
           <a:graphicData uri="http://schemas.openxmlformats.org/presentationml/2006/ole">
             <mc:AlternateContent xmlns:mc="http://schemas.openxmlformats.org/markup-compatibility/2006">
               <mc:Choice xmlns:v="urn:schemas-microsoft-com:vml" Requires="v">
-                <p:oleObj spid="_x0000_s100355" name="Equation" r:id="rId4" imgW="114300" imgH="165100" progId="Equation.3">
+                <p:oleObj spid="_x0000_s100357" name="Equation" r:id="rId4" imgW="114300" imgH="165100" progId="Equation.3">
                   <p:embed/>
                 </p:oleObj>
               </mc:Choice>
@@ -12931,7 +12924,7 @@
           <a:graphicData uri="http://schemas.openxmlformats.org/presentationml/2006/ole">
             <mc:AlternateContent xmlns:mc="http://schemas.openxmlformats.org/markup-compatibility/2006">
               <mc:Choice xmlns:v="urn:schemas-microsoft-com:vml" Requires="v">
-                <p:oleObj spid="_x0000_s100356" name="Equation" r:id="rId6" imgW="990600" imgH="292100" progId="Equation.DSMT4">
+                <p:oleObj spid="_x0000_s100358" name="Equation" r:id="rId6" imgW="990600" imgH="292100" progId="Equation.DSMT4">
                   <p:embed/>
                 </p:oleObj>
               </mc:Choice>
@@ -13238,7 +13231,7 @@
           <a:graphicData uri="http://schemas.openxmlformats.org/presentationml/2006/ole">
             <mc:AlternateContent xmlns:mc="http://schemas.openxmlformats.org/markup-compatibility/2006">
               <mc:Choice xmlns:v="urn:schemas-microsoft-com:vml" Requires="v">
-                <p:oleObj spid="_x0000_s101379" name="Equation" r:id="rId4" imgW="114300" imgH="165100" progId="Equation.3">
+                <p:oleObj spid="_x0000_s101381" name="Equation" r:id="rId4" imgW="114300" imgH="165100" progId="Equation.3">
                   <p:embed/>
                 </p:oleObj>
               </mc:Choice>
@@ -13295,7 +13288,7 @@
           <a:graphicData uri="http://schemas.openxmlformats.org/presentationml/2006/ole">
             <mc:AlternateContent xmlns:mc="http://schemas.openxmlformats.org/markup-compatibility/2006">
               <mc:Choice xmlns:v="urn:schemas-microsoft-com:vml" Requires="v">
-                <p:oleObj spid="_x0000_s101380" name="Equation" r:id="rId6" imgW="1231900" imgH="558800" progId="Equation.DSMT4">
+                <p:oleObj spid="_x0000_s101382" name="Equation" r:id="rId6" imgW="1231900" imgH="558800" progId="Equation.DSMT4">
                   <p:embed/>
                 </p:oleObj>
               </mc:Choice>
@@ -13467,7 +13460,7 @@
           <a:graphicData uri="http://schemas.openxmlformats.org/presentationml/2006/ole">
             <mc:AlternateContent xmlns:mc="http://schemas.openxmlformats.org/markup-compatibility/2006">
               <mc:Choice xmlns:v="urn:schemas-microsoft-com:vml" Requires="v">
-                <p:oleObj spid="_x0000_s102403" name="Equation" r:id="rId4" imgW="114300" imgH="165100" progId="Equation.3">
+                <p:oleObj spid="_x0000_s102405" name="Equation" r:id="rId4" imgW="114300" imgH="165100" progId="Equation.3">
                   <p:embed/>
                 </p:oleObj>
               </mc:Choice>
@@ -13524,7 +13517,7 @@
           <a:graphicData uri="http://schemas.openxmlformats.org/presentationml/2006/ole">
             <mc:AlternateContent xmlns:mc="http://schemas.openxmlformats.org/markup-compatibility/2006">
               <mc:Choice xmlns:v="urn:schemas-microsoft-com:vml" Requires="v">
-                <p:oleObj spid="_x0000_s102404" name="Equation" r:id="rId6" imgW="1206500" imgH="558800" progId="Equation.3">
+                <p:oleObj spid="_x0000_s102406" name="Equation" r:id="rId6" imgW="1206500" imgH="558800" progId="Equation.3">
                   <p:embed/>
                 </p:oleObj>
               </mc:Choice>
@@ -13841,7 +13834,7 @@
           <a:graphicData uri="http://schemas.openxmlformats.org/presentationml/2006/ole">
             <mc:AlternateContent xmlns:mc="http://schemas.openxmlformats.org/markup-compatibility/2006">
               <mc:Choice xmlns:v="urn:schemas-microsoft-com:vml" Requires="v">
-                <p:oleObj spid="_x0000_s103427" name="Equation" r:id="rId4" imgW="114300" imgH="165100" progId="Equation.3">
+                <p:oleObj spid="_x0000_s103429" name="Equation" r:id="rId4" imgW="114300" imgH="165100" progId="Equation.3">
                   <p:embed/>
                 </p:oleObj>
               </mc:Choice>
@@ -13898,7 +13891,7 @@
           <a:graphicData uri="http://schemas.openxmlformats.org/presentationml/2006/ole">
             <mc:AlternateContent xmlns:mc="http://schemas.openxmlformats.org/markup-compatibility/2006">
               <mc:Choice xmlns:v="urn:schemas-microsoft-com:vml" Requires="v">
-                <p:oleObj spid="_x0000_s103428" name="Equation" r:id="rId6" imgW="825500" imgH="457200" progId="Equation.DSMT4">
+                <p:oleObj spid="_x0000_s103430" name="Equation" r:id="rId6" imgW="825500" imgH="457200" progId="Equation.DSMT4">
                   <p:embed/>
                 </p:oleObj>
               </mc:Choice>
@@ -14070,7 +14063,7 @@
           <a:graphicData uri="http://schemas.openxmlformats.org/presentationml/2006/ole">
             <mc:AlternateContent xmlns:mc="http://schemas.openxmlformats.org/markup-compatibility/2006">
               <mc:Choice xmlns:v="urn:schemas-microsoft-com:vml" Requires="v">
-                <p:oleObj spid="_x0000_s104451" name="Equation" r:id="rId4" imgW="114300" imgH="165100" progId="Equation.3">
+                <p:oleObj spid="_x0000_s104453" name="Equation" r:id="rId4" imgW="114300" imgH="165100" progId="Equation.3">
                   <p:embed/>
                 </p:oleObj>
               </mc:Choice>
@@ -14127,7 +14120,7 @@
           <a:graphicData uri="http://schemas.openxmlformats.org/presentationml/2006/ole">
             <mc:AlternateContent xmlns:mc="http://schemas.openxmlformats.org/markup-compatibility/2006">
               <mc:Choice xmlns:v="urn:schemas-microsoft-com:vml" Requires="v">
-                <p:oleObj spid="_x0000_s104452" name="Equation" r:id="rId6" imgW="863600" imgH="279400" progId="Equation.3">
+                <p:oleObj spid="_x0000_s104454" name="Equation" r:id="rId6" imgW="863600" imgH="279400" progId="Equation.3">
                   <p:embed/>
                 </p:oleObj>
               </mc:Choice>
@@ -14510,7 +14503,7 @@
           <a:graphicData uri="http://schemas.openxmlformats.org/presentationml/2006/ole">
             <mc:AlternateContent xmlns:mc="http://schemas.openxmlformats.org/markup-compatibility/2006">
               <mc:Choice xmlns:v="urn:schemas-microsoft-com:vml" Requires="v">
-                <p:oleObj spid="_x0000_s1089" name="Equation" r:id="rId4" imgW="126720" imgH="190440" progId="Equation.DSMT4">
+                <p:oleObj spid="_x0000_s1091" name="Equation" r:id="rId4" imgW="126720" imgH="190440" progId="Equation.DSMT4">
                   <p:embed/>
                 </p:oleObj>
               </mc:Choice>
@@ -14611,7 +14604,7 @@
           <a:graphicData uri="http://schemas.openxmlformats.org/presentationml/2006/ole">
             <mc:AlternateContent xmlns:mc="http://schemas.openxmlformats.org/markup-compatibility/2006">
               <mc:Choice xmlns:v="urn:schemas-microsoft-com:vml" Requires="v">
-                <p:oleObj spid="_x0000_s1090" name="Equation" r:id="rId6" imgW="2044700" imgH="647700" progId="Equation.3">
+                <p:oleObj spid="_x0000_s1092" name="Equation" r:id="rId6" imgW="2044700" imgH="647700" progId="Equation.3">
                   <p:embed/>
                 </p:oleObj>
               </mc:Choice>
@@ -14876,7 +14869,7 @@
           <a:graphicData uri="http://schemas.openxmlformats.org/presentationml/2006/ole">
             <mc:AlternateContent xmlns:mc="http://schemas.openxmlformats.org/markup-compatibility/2006">
               <mc:Choice xmlns:v="urn:schemas-microsoft-com:vml" Requires="v">
-                <p:oleObj spid="_x0000_s16469" name="Equation" r:id="rId4" imgW="114300" imgH="165100" progId="Equation.3">
+                <p:oleObj spid="_x0000_s16472" name="Equation" r:id="rId4" imgW="114300" imgH="165100" progId="Equation.3">
                   <p:embed/>
                 </p:oleObj>
               </mc:Choice>
@@ -14933,7 +14926,7 @@
           <a:graphicData uri="http://schemas.openxmlformats.org/presentationml/2006/ole">
             <mc:AlternateContent xmlns:mc="http://schemas.openxmlformats.org/markup-compatibility/2006">
               <mc:Choice xmlns:v="urn:schemas-microsoft-com:vml" Requires="v">
-                <p:oleObj spid="_x0000_s16470" name="Equation" r:id="rId6" imgW="939800" imgH="292100" progId="Equation.DSMT4">
+                <p:oleObj spid="_x0000_s16473" name="Equation" r:id="rId6" imgW="939800" imgH="292100" progId="Equation.DSMT4">
                   <p:embed/>
                 </p:oleObj>
               </mc:Choice>
@@ -14990,7 +14983,7 @@
           <a:graphicData uri="http://schemas.openxmlformats.org/presentationml/2006/ole">
             <mc:AlternateContent xmlns:mc="http://schemas.openxmlformats.org/markup-compatibility/2006">
               <mc:Choice xmlns:v="urn:schemas-microsoft-com:vml" Requires="v">
-                <p:oleObj spid="_x0000_s16471" name="Equation" r:id="rId8" imgW="736600" imgH="292100" progId="Equation.DSMT4">
+                <p:oleObj spid="_x0000_s16474" name="Equation" r:id="rId8" imgW="736600" imgH="292100" progId="Equation.DSMT4">
                   <p:embed/>
                 </p:oleObj>
               </mc:Choice>
@@ -15151,7 +15144,7 @@
           <a:graphicData uri="http://schemas.openxmlformats.org/presentationml/2006/ole">
             <mc:AlternateContent xmlns:mc="http://schemas.openxmlformats.org/markup-compatibility/2006">
               <mc:Choice xmlns:v="urn:schemas-microsoft-com:vml" Requires="v">
-                <p:oleObj spid="_x0000_s2113" name="Equation" r:id="rId4" imgW="126720" imgH="190440" progId="Equation.DSMT4">
+                <p:oleObj spid="_x0000_s2115" name="Equation" r:id="rId4" imgW="126720" imgH="190440" progId="Equation.DSMT4">
                   <p:embed/>
                 </p:oleObj>
               </mc:Choice>
@@ -15221,7 +15214,7 @@
           <a:graphicData uri="http://schemas.openxmlformats.org/presentationml/2006/ole">
             <mc:AlternateContent xmlns:mc="http://schemas.openxmlformats.org/markup-compatibility/2006">
               <mc:Choice xmlns:v="urn:schemas-microsoft-com:vml" Requires="v">
-                <p:oleObj spid="_x0000_s2114" name="Equation" r:id="rId6" imgW="2044700" imgH="812800" progId="Equation.3">
+                <p:oleObj spid="_x0000_s2116" name="Equation" r:id="rId6" imgW="2044700" imgH="812800" progId="Equation.3">
                   <p:embed/>
                 </p:oleObj>
               </mc:Choice>
@@ -15339,7 +15332,7 @@
           <a:graphicData uri="http://schemas.openxmlformats.org/presentationml/2006/ole">
             <mc:AlternateContent xmlns:mc="http://schemas.openxmlformats.org/markup-compatibility/2006">
               <mc:Choice xmlns:v="urn:schemas-microsoft-com:vml" Requires="v">
-                <p:oleObj spid="_x0000_s3139" name="Equation" r:id="rId4" imgW="1993900" imgH="812800" progId="Equation.3">
+                <p:oleObj spid="_x0000_s3141" name="Equation" r:id="rId4" imgW="1993900" imgH="812800" progId="Equation.3">
                   <p:embed/>
                 </p:oleObj>
               </mc:Choice>
@@ -15457,7 +15450,7 @@
           <a:graphicData uri="http://schemas.openxmlformats.org/presentationml/2006/ole">
             <mc:AlternateContent xmlns:mc="http://schemas.openxmlformats.org/markup-compatibility/2006">
               <mc:Choice xmlns:v="urn:schemas-microsoft-com:vml" Requires="v">
-                <p:oleObj spid="_x0000_s3140" name="Equation" r:id="rId6" imgW="126720" imgH="190440" progId="Equation.3">
+                <p:oleObj spid="_x0000_s3142" name="Equation" r:id="rId6" imgW="126720" imgH="190440" progId="Equation.3">
                   <p:embed/>
                 </p:oleObj>
               </mc:Choice>
@@ -15884,7 +15877,7 @@
           <a:graphicData uri="http://schemas.openxmlformats.org/presentationml/2006/ole">
             <mc:AlternateContent xmlns:mc="http://schemas.openxmlformats.org/markup-compatibility/2006">
               <mc:Choice xmlns:v="urn:schemas-microsoft-com:vml" Requires="v">
-                <p:oleObj spid="_x0000_s4188" name="Equation" r:id="rId4" imgW="126720" imgH="190440" progId="Equation.DSMT4">
+                <p:oleObj spid="_x0000_s4191" name="Equation" r:id="rId4" imgW="126720" imgH="190440" progId="Equation.DSMT4">
                   <p:embed/>
                 </p:oleObj>
               </mc:Choice>
@@ -15954,7 +15947,7 @@
           <a:graphicData uri="http://schemas.openxmlformats.org/presentationml/2006/ole">
             <mc:AlternateContent xmlns:mc="http://schemas.openxmlformats.org/markup-compatibility/2006">
               <mc:Choice xmlns:v="urn:schemas-microsoft-com:vml" Requires="v">
-                <p:oleObj spid="_x0000_s4189" name="Equation" r:id="rId6" imgW="393480" imgH="342720" progId="Equation.DSMT4">
+                <p:oleObj spid="_x0000_s4192" name="Equation" r:id="rId6" imgW="393480" imgH="342720" progId="Equation.DSMT4">
                   <p:embed/>
                 </p:oleObj>
               </mc:Choice>
@@ -16024,7 +16017,7 @@
           <a:graphicData uri="http://schemas.openxmlformats.org/presentationml/2006/ole">
             <mc:AlternateContent xmlns:mc="http://schemas.openxmlformats.org/markup-compatibility/2006">
               <mc:Choice xmlns:v="urn:schemas-microsoft-com:vml" Requires="v">
-                <p:oleObj spid="_x0000_s4190" name="Equation" r:id="rId8" imgW="1917360" imgH="711000" progId="Equation.3">
+                <p:oleObj spid="_x0000_s4193" name="Equation" r:id="rId8" imgW="1917360" imgH="711000" progId="Equation.3">
                   <p:embed/>
                 </p:oleObj>
               </mc:Choice>
@@ -16631,7 +16624,7 @@
           <a:graphicData uri="http://schemas.openxmlformats.org/presentationml/2006/ole">
             <mc:AlternateContent xmlns:mc="http://schemas.openxmlformats.org/markup-compatibility/2006">
               <mc:Choice xmlns:v="urn:schemas-microsoft-com:vml" Requires="v">
-                <p:oleObj spid="_x0000_s50222" name="Equation" r:id="rId4" imgW="114300" imgH="165100" progId="Equation.3">
+                <p:oleObj spid="_x0000_s50226" name="Equation" r:id="rId4" imgW="114300" imgH="165100" progId="Equation.3">
                   <p:embed/>
                 </p:oleObj>
               </mc:Choice>
@@ -16688,7 +16681,7 @@
           <a:graphicData uri="http://schemas.openxmlformats.org/presentationml/2006/ole">
             <mc:AlternateContent xmlns:mc="http://schemas.openxmlformats.org/markup-compatibility/2006">
               <mc:Choice xmlns:v="urn:schemas-microsoft-com:vml" Requires="v">
-                <p:oleObj spid="_x0000_s50223" name="Equation" r:id="rId6" imgW="1485900" imgH="292100" progId="Equation.DSMT4">
+                <p:oleObj spid="_x0000_s50227" name="Equation" r:id="rId6" imgW="1485900" imgH="292100" progId="Equation.DSMT4">
                   <p:embed/>
                 </p:oleObj>
               </mc:Choice>
@@ -16745,7 +16738,7 @@
           <a:graphicData uri="http://schemas.openxmlformats.org/presentationml/2006/ole">
             <mc:AlternateContent xmlns:mc="http://schemas.openxmlformats.org/markup-compatibility/2006">
               <mc:Choice xmlns:v="urn:schemas-microsoft-com:vml" Requires="v">
-                <p:oleObj spid="_x0000_s50224" name="Equation" r:id="rId8" imgW="825500" imgH="304800" progId="Equation.3">
+                <p:oleObj spid="_x0000_s50228" name="Equation" r:id="rId8" imgW="825500" imgH="304800" progId="Equation.3">
                   <p:embed/>
                 </p:oleObj>
               </mc:Choice>
@@ -16802,7 +16795,7 @@
           <a:graphicData uri="http://schemas.openxmlformats.org/presentationml/2006/ole">
             <mc:AlternateContent xmlns:mc="http://schemas.openxmlformats.org/markup-compatibility/2006">
               <mc:Choice xmlns:v="urn:schemas-microsoft-com:vml" Requires="v">
-                <p:oleObj spid="_x0000_s50225" name="Equation" r:id="rId10" imgW="1155700" imgH="304800" progId="Equation.3">
+                <p:oleObj spid="_x0000_s50229" name="Equation" r:id="rId10" imgW="1155700" imgH="304800" progId="Equation.3">
                   <p:embed/>
                 </p:oleObj>
               </mc:Choice>
@@ -17202,7 +17195,7 @@
           <a:graphicData uri="http://schemas.openxmlformats.org/presentationml/2006/ole">
             <mc:AlternateContent xmlns:mc="http://schemas.openxmlformats.org/markup-compatibility/2006">
               <mc:Choice xmlns:v="urn:schemas-microsoft-com:vml" Requires="v">
-                <p:oleObj spid="_x0000_s20586" name="Equation" r:id="rId4" imgW="114300" imgH="165100" progId="Equation.3">
+                <p:oleObj spid="_x0000_s20590" name="Equation" r:id="rId4" imgW="114300" imgH="165100" progId="Equation.3">
                   <p:embed/>
                 </p:oleObj>
               </mc:Choice>
@@ -17259,7 +17252,7 @@
           <a:graphicData uri="http://schemas.openxmlformats.org/presentationml/2006/ole">
             <mc:AlternateContent xmlns:mc="http://schemas.openxmlformats.org/markup-compatibility/2006">
               <mc:Choice xmlns:v="urn:schemas-microsoft-com:vml" Requires="v">
-                <p:oleObj spid="_x0000_s20587" name="Equation" r:id="rId6" imgW="1485900" imgH="292100" progId="Equation.DSMT4">
+                <p:oleObj spid="_x0000_s20591" name="Equation" r:id="rId6" imgW="1485900" imgH="292100" progId="Equation.DSMT4">
                   <p:embed/>
                 </p:oleObj>
               </mc:Choice>
@@ -17316,7 +17309,7 @@
           <a:graphicData uri="http://schemas.openxmlformats.org/presentationml/2006/ole">
             <mc:AlternateContent xmlns:mc="http://schemas.openxmlformats.org/markup-compatibility/2006">
               <mc:Choice xmlns:v="urn:schemas-microsoft-com:vml" Requires="v">
-                <p:oleObj spid="_x0000_s20588" name="Equation" r:id="rId8" imgW="825500" imgH="304800" progId="Equation.3">
+                <p:oleObj spid="_x0000_s20592" name="Equation" r:id="rId8" imgW="825500" imgH="304800" progId="Equation.3">
                   <p:embed/>
                 </p:oleObj>
               </mc:Choice>
@@ -17373,7 +17366,7 @@
           <a:graphicData uri="http://schemas.openxmlformats.org/presentationml/2006/ole">
             <mc:AlternateContent xmlns:mc="http://schemas.openxmlformats.org/markup-compatibility/2006">
               <mc:Choice xmlns:v="urn:schemas-microsoft-com:vml" Requires="v">
-                <p:oleObj spid="_x0000_s20589" name="Equation" r:id="rId10" imgW="1155700" imgH="304800" progId="Equation.3">
+                <p:oleObj spid="_x0000_s20593" name="Equation" r:id="rId10" imgW="1155700" imgH="304800" progId="Equation.3">
                   <p:embed/>
                 </p:oleObj>
               </mc:Choice>
@@ -17591,7 +17584,7 @@
           <a:graphicData uri="http://schemas.openxmlformats.org/presentationml/2006/ole">
             <mc:AlternateContent xmlns:mc="http://schemas.openxmlformats.org/markup-compatibility/2006">
               <mc:Choice xmlns:v="urn:schemas-microsoft-com:vml" Requires="v">
-                <p:oleObj spid="_x0000_s51246" name="Equation" r:id="rId4" imgW="114300" imgH="165100" progId="Equation.3">
+                <p:oleObj spid="_x0000_s51250" name="Equation" r:id="rId4" imgW="114300" imgH="165100" progId="Equation.3">
                   <p:embed/>
                 </p:oleObj>
               </mc:Choice>
@@ -17648,7 +17641,7 @@
           <a:graphicData uri="http://schemas.openxmlformats.org/presentationml/2006/ole">
             <mc:AlternateContent xmlns:mc="http://schemas.openxmlformats.org/markup-compatibility/2006">
               <mc:Choice xmlns:v="urn:schemas-microsoft-com:vml" Requires="v">
-                <p:oleObj spid="_x0000_s51247" name="Equation" r:id="rId6" imgW="1485900" imgH="292100" progId="Equation.DSMT4">
+                <p:oleObj spid="_x0000_s51251" name="Equation" r:id="rId6" imgW="1485900" imgH="292100" progId="Equation.DSMT4">
                   <p:embed/>
                 </p:oleObj>
               </mc:Choice>
@@ -17705,7 +17698,7 @@
           <a:graphicData uri="http://schemas.openxmlformats.org/presentationml/2006/ole">
             <mc:AlternateContent xmlns:mc="http://schemas.openxmlformats.org/markup-compatibility/2006">
               <mc:Choice xmlns:v="urn:schemas-microsoft-com:vml" Requires="v">
-                <p:oleObj spid="_x0000_s51248" name="Equation" r:id="rId8" imgW="825500" imgH="304800" progId="Equation.3">
+                <p:oleObj spid="_x0000_s51252" name="Equation" r:id="rId8" imgW="825500" imgH="304800" progId="Equation.3">
                   <p:embed/>
                 </p:oleObj>
               </mc:Choice>
@@ -17762,7 +17755,7 @@
           <a:graphicData uri="http://schemas.openxmlformats.org/presentationml/2006/ole">
             <mc:AlternateContent xmlns:mc="http://schemas.openxmlformats.org/markup-compatibility/2006">
               <mc:Choice xmlns:v="urn:schemas-microsoft-com:vml" Requires="v">
-                <p:oleObj spid="_x0000_s51249" name="Equation" r:id="rId10" imgW="1155700" imgH="304800" progId="Equation.3">
+                <p:oleObj spid="_x0000_s51253" name="Equation" r:id="rId10" imgW="1155700" imgH="304800" progId="Equation.3">
                   <p:embed/>
                 </p:oleObj>
               </mc:Choice>
@@ -18003,7 +17996,7 @@
           <a:graphicData uri="http://schemas.openxmlformats.org/presentationml/2006/ole">
             <mc:AlternateContent xmlns:mc="http://schemas.openxmlformats.org/markup-compatibility/2006">
               <mc:Choice xmlns:v="urn:schemas-microsoft-com:vml" Requires="v">
-                <p:oleObj spid="_x0000_s22649" name="Equation" r:id="rId4" imgW="114300" imgH="165100" progId="Equation.3">
+                <p:oleObj spid="_x0000_s22657" name="Equation" r:id="rId4" imgW="114300" imgH="165100" progId="Equation.3">
                   <p:embed/>
                 </p:oleObj>
               </mc:Choice>
@@ -18060,7 +18053,7 @@
           <a:graphicData uri="http://schemas.openxmlformats.org/presentationml/2006/ole">
             <mc:AlternateContent xmlns:mc="http://schemas.openxmlformats.org/markup-compatibility/2006">
               <mc:Choice xmlns:v="urn:schemas-microsoft-com:vml" Requires="v">
-                <p:oleObj spid="_x0000_s22650" name="Equation" r:id="rId6" imgW="762000" imgH="292100" progId="Equation.DSMT4">
+                <p:oleObj spid="_x0000_s22658" name="Equation" r:id="rId6" imgW="762000" imgH="292100" progId="Equation.DSMT4">
                   <p:embed/>
                 </p:oleObj>
               </mc:Choice>
@@ -18117,7 +18110,7 @@
           <a:graphicData uri="http://schemas.openxmlformats.org/presentationml/2006/ole">
             <mc:AlternateContent xmlns:mc="http://schemas.openxmlformats.org/markup-compatibility/2006">
               <mc:Choice xmlns:v="urn:schemas-microsoft-com:vml" Requires="v">
-                <p:oleObj spid="_x0000_s22651" name="Equation" r:id="rId8" imgW="1625600" imgH="533400" progId="Equation.DSMT4">
+                <p:oleObj spid="_x0000_s22659" name="Equation" r:id="rId8" imgW="1625600" imgH="533400" progId="Equation.DSMT4">
                   <p:embed/>
                 </p:oleObj>
               </mc:Choice>
@@ -18174,7 +18167,7 @@
           <a:graphicData uri="http://schemas.openxmlformats.org/presentationml/2006/ole">
             <mc:AlternateContent xmlns:mc="http://schemas.openxmlformats.org/markup-compatibility/2006">
               <mc:Choice xmlns:v="urn:schemas-microsoft-com:vml" Requires="v">
-                <p:oleObj spid="_x0000_s22652" name="Equation" r:id="rId10" imgW="1511300" imgH="355600" progId="Equation.3">
+                <p:oleObj spid="_x0000_s22660" name="Equation" r:id="rId10" imgW="1511300" imgH="355600" progId="Equation.3">
                   <p:embed/>
                 </p:oleObj>
               </mc:Choice>
@@ -18514,7 +18507,7 @@
           <a:graphicData uri="http://schemas.openxmlformats.org/presentationml/2006/ole">
             <mc:AlternateContent xmlns:mc="http://schemas.openxmlformats.org/markup-compatibility/2006">
               <mc:Choice xmlns:v="urn:schemas-microsoft-com:vml" Requires="v">
-                <p:oleObj spid="_x0000_s95238" name="Equation" r:id="rId4" imgW="114300" imgH="165100" progId="Equation.3">
+                <p:oleObj spid="_x0000_s95243" name="Equation" r:id="rId4" imgW="114300" imgH="165100" progId="Equation.3">
                   <p:embed/>
                 </p:oleObj>
               </mc:Choice>
@@ -18571,7 +18564,7 @@
           <a:graphicData uri="http://schemas.openxmlformats.org/presentationml/2006/ole">
             <mc:AlternateContent xmlns:mc="http://schemas.openxmlformats.org/markup-compatibility/2006">
               <mc:Choice xmlns:v="urn:schemas-microsoft-com:vml" Requires="v">
-                <p:oleObj spid="_x0000_s95239" name="Equation" r:id="rId6" imgW="762000" imgH="292100" progId="Equation.DSMT4">
+                <p:oleObj spid="_x0000_s95244" name="Equation" r:id="rId6" imgW="762000" imgH="292100" progId="Equation.DSMT4">
                   <p:embed/>
                 </p:oleObj>
               </mc:Choice>
@@ -18628,7 +18621,7 @@
           <a:graphicData uri="http://schemas.openxmlformats.org/presentationml/2006/ole">
             <mc:AlternateContent xmlns:mc="http://schemas.openxmlformats.org/markup-compatibility/2006">
               <mc:Choice xmlns:v="urn:schemas-microsoft-com:vml" Requires="v">
-                <p:oleObj spid="_x0000_s95240" name="Equation" r:id="rId8" imgW="1816100" imgH="317500" progId="Equation.3">
+                <p:oleObj spid="_x0000_s95245" name="Equation" r:id="rId8" imgW="1816100" imgH="317500" progId="Equation.3">
                   <p:embed/>
                 </p:oleObj>
               </mc:Choice>
@@ -18685,7 +18678,7 @@
           <a:graphicData uri="http://schemas.openxmlformats.org/presentationml/2006/ole">
             <mc:AlternateContent xmlns:mc="http://schemas.openxmlformats.org/markup-compatibility/2006">
               <mc:Choice xmlns:v="urn:schemas-microsoft-com:vml" Requires="v">
-                <p:oleObj spid="_x0000_s95241" name="Equation" r:id="rId10" imgW="1485900" imgH="330200" progId="Equation.DSMT4">
+                <p:oleObj spid="_x0000_s95246" name="Equation" r:id="rId10" imgW="1485900" imgH="330200" progId="Equation.DSMT4">
                   <p:embed/>
                 </p:oleObj>
               </mc:Choice>
@@ -18742,7 +18735,7 @@
           <a:graphicData uri="http://schemas.openxmlformats.org/presentationml/2006/ole">
             <mc:AlternateContent xmlns:mc="http://schemas.openxmlformats.org/markup-compatibility/2006">
               <mc:Choice xmlns:v="urn:schemas-microsoft-com:vml" Requires="v">
-                <p:oleObj spid="_x0000_s95242" name="Equation" r:id="rId12" imgW="1358900" imgH="304800" progId="Equation.DSMT4">
+                <p:oleObj spid="_x0000_s95247" name="Equation" r:id="rId12" imgW="1358900" imgH="304800" progId="Equation.DSMT4">
                   <p:embed/>
                 </p:oleObj>
               </mc:Choice>
@@ -19135,7 +19128,7 @@
           <a:graphicData uri="http://schemas.openxmlformats.org/presentationml/2006/ole">
             <mc:AlternateContent xmlns:mc="http://schemas.openxmlformats.org/markup-compatibility/2006">
               <mc:Choice xmlns:v="urn:schemas-microsoft-com:vml" Requires="v">
-                <p:oleObj spid="_x0000_s55342" name="Equation" r:id="rId4" imgW="114300" imgH="165100" progId="Equation.3">
+                <p:oleObj spid="_x0000_s55346" name="Equation" r:id="rId4" imgW="114300" imgH="165100" progId="Equation.3">
                   <p:embed/>
                 </p:oleObj>
               </mc:Choice>
@@ -19192,7 +19185,7 @@
           <a:graphicData uri="http://schemas.openxmlformats.org/presentationml/2006/ole">
             <mc:AlternateContent xmlns:mc="http://schemas.openxmlformats.org/markup-compatibility/2006">
               <mc:Choice xmlns:v="urn:schemas-microsoft-com:vml" Requires="v">
-                <p:oleObj spid="_x0000_s55343" name="Equation" r:id="rId6" imgW="762000" imgH="292100" progId="Equation.DSMT4">
+                <p:oleObj spid="_x0000_s55347" name="Equation" r:id="rId6" imgW="762000" imgH="292100" progId="Equation.DSMT4">
                   <p:embed/>
                 </p:oleObj>
               </mc:Choice>
@@ -19249,7 +19242,7 @@
           <a:graphicData uri="http://schemas.openxmlformats.org/presentationml/2006/ole">
             <mc:AlternateContent xmlns:mc="http://schemas.openxmlformats.org/markup-compatibility/2006">
               <mc:Choice xmlns:v="urn:schemas-microsoft-com:vml" Requires="v">
-                <p:oleObj spid="_x0000_s55344" name="Equation" r:id="rId8" imgW="1790700" imgH="584200" progId="Equation.DSMT4">
+                <p:oleObj spid="_x0000_s55348" name="Equation" r:id="rId8" imgW="1790700" imgH="584200" progId="Equation.DSMT4">
                   <p:embed/>
                 </p:oleObj>
               </mc:Choice>
@@ -19306,7 +19299,7 @@
           <a:graphicData uri="http://schemas.openxmlformats.org/presentationml/2006/ole">
             <mc:AlternateContent xmlns:mc="http://schemas.openxmlformats.org/markup-compatibility/2006">
               <mc:Choice xmlns:v="urn:schemas-microsoft-com:vml" Requires="v">
-                <p:oleObj spid="_x0000_s55345" name="Equation" r:id="rId10" imgW="1485900" imgH="330200" progId="Equation.DSMT4">
+                <p:oleObj spid="_x0000_s55349" name="Equation" r:id="rId10" imgW="1485900" imgH="330200" progId="Equation.DSMT4">
                   <p:embed/>
                 </p:oleObj>
               </mc:Choice>
